--- a/Customer Segmentation.pptx
+++ b/Customer Segmentation.pptx
@@ -8219,7 +8219,7 @@
             </a:pPr>
             <a:r>
               <a:rPr lang="en" sz="2100"/>
-              <a:t>You are owing a supermarket mall and through membership cards , you have some basic data about your customers like Customer ID, age, gender, annual income and spending score. </a:t>
+              <a:t>You own a supermarket mall and through membership cards , you have some basic data about your customers like Customer ID, age, gender, annual income and spending score. </a:t>
             </a:r>
             <a:endParaRPr sz="2100"/>
           </a:p>
